--- a/documents/情報処理学会TANGXIAO_20170310.pptx
+++ b/documents/情報処理学会TANGXIAO_20170310.pptx
@@ -5,7 +5,7 @@
     <p:sldMasterId id="2147483648" r:id="rId1"/>
   </p:sldMasterIdLst>
   <p:notesMasterIdLst>
-    <p:notesMasterId r:id="rId21"/>
+    <p:notesMasterId r:id="rId22"/>
   </p:notesMasterIdLst>
   <p:sldIdLst>
     <p:sldId id="256" r:id="rId2"/>
@@ -27,6 +27,7 @@
     <p:sldId id="287" r:id="rId18"/>
     <p:sldId id="266" r:id="rId19"/>
     <p:sldId id="289" r:id="rId20"/>
+    <p:sldId id="290" r:id="rId21"/>
   </p:sldIdLst>
   <p:sldSz cx="12192000" cy="6858000"/>
   <p:notesSz cx="6858000" cy="9144000"/>
@@ -313,7 +314,6 @@
             <c:showLeaderLines val="0"/>
             <c:extLst xmlns:c16r2="http://schemas.microsoft.com/office/drawing/2015/06/chart">
               <c:ext xmlns:c15="http://schemas.microsoft.com/office/drawing/2012/chart" uri="{CE6537A1-D6FC-4f65-9D91-7224C49458BB}">
-                <c15:layout/>
                 <c15:showLeaderLines val="1"/>
                 <c15:leaderLines>
                   <c:spPr>
@@ -448,7 +448,6 @@
             <c:showLeaderLines val="0"/>
             <c:extLst xmlns:c16r2="http://schemas.microsoft.com/office/drawing/2015/06/chart">
               <c:ext xmlns:c15="http://schemas.microsoft.com/office/drawing/2012/chart" uri="{CE6537A1-D6FC-4f65-9D91-7224C49458BB}">
-                <c15:layout/>
                 <c15:showLeaderLines val="1"/>
                 <c15:leaderLines>
                   <c:spPr>
@@ -508,11 +507,11 @@
         </c:dLbls>
         <c:gapWidth val="100"/>
         <c:overlap val="-24"/>
-        <c:axId val="-1107343952"/>
-        <c:axId val="-1107342320"/>
+        <c:axId val="-1768539600"/>
+        <c:axId val="-1768551024"/>
       </c:barChart>
       <c:catAx>
-        <c:axId val="-1107343952"/>
+        <c:axId val="-1768539600"/>
         <c:scaling>
           <c:orientation val="minMax"/>
         </c:scaling>
@@ -588,7 +587,7 @@
         <c:majorTickMark val="none"/>
         <c:minorTickMark val="none"/>
         <c:tickLblPos val="nextTo"/>
-        <c:crossAx val="-1107342320"/>
+        <c:crossAx val="-1768551024"/>
         <c:crosses val="autoZero"/>
         <c:auto val="1"/>
         <c:lblAlgn val="ctr"/>
@@ -596,7 +595,7 @@
         <c:noMultiLvlLbl val="0"/>
       </c:catAx>
       <c:valAx>
-        <c:axId val="-1107342320"/>
+        <c:axId val="-1768551024"/>
         <c:scaling>
           <c:orientation val="minMax"/>
         </c:scaling>
@@ -639,7 +638,6 @@
               </a:p>
             </c:rich>
           </c:tx>
-          <c:layout/>
           <c:overlay val="0"/>
           <c:spPr>
             <a:noFill/>
@@ -694,7 +692,7 @@
             <a:endParaRPr lang="zh-CN"/>
           </a:p>
         </c:txPr>
-        <c:crossAx val="-1107343952"/>
+        <c:crossAx val="-1768539600"/>
         <c:crosses val="autoZero"/>
         <c:crossBetween val="between"/>
       </c:valAx>
@@ -708,7 +706,6 @@
     </c:plotArea>
     <c:legend>
       <c:legendPos val="b"/>
-      <c:layout/>
       <c:overlay val="0"/>
       <c:spPr>
         <a:noFill/>
@@ -1353,7 +1350,7 @@
           <a:p>
             <a:fld id="{39E6A174-C216-4117-8692-1929BBE85188}" type="datetimeFigureOut">
               <a:rPr lang="en-US" smtClean="0"/>
-              <a:t>3/10/2017</a:t>
+              <a:t>3/11/2017</a:t>
             </a:fld>
             <a:endParaRPr lang="en-US"/>
           </a:p>
@@ -3294,6 +3291,976 @@
 </p:notes>
 </file>
 
+<file path=ppt/notesSlides/notesSlide20.xml><?xml version="1.0" encoding="utf-8"?>
+<p:notes xmlns:a="http://schemas.openxmlformats.org/drawingml/2006/main" xmlns:r="http://schemas.openxmlformats.org/officeDocument/2006/relationships" xmlns:p="http://schemas.openxmlformats.org/presentationml/2006/main">
+  <p:cSld>
+    <p:spTree>
+      <p:nvGrpSpPr>
+        <p:cNvPr id="1" name=""/>
+        <p:cNvGrpSpPr/>
+        <p:nvPr/>
+      </p:nvGrpSpPr>
+      <p:grpSpPr>
+        <a:xfrm>
+          <a:off x="0" y="0"/>
+          <a:ext cx="0" cy="0"/>
+          <a:chOff x="0" y="0"/>
+          <a:chExt cx="0" cy="0"/>
+        </a:xfrm>
+      </p:grpSpPr>
+      <p:sp>
+        <p:nvSpPr>
+          <p:cNvPr id="2" name="スライド イメージ プレースホルダー 1"/>
+          <p:cNvSpPr>
+            <a:spLocks noGrp="1" noRot="1" noChangeAspect="1"/>
+          </p:cNvSpPr>
+          <p:nvPr>
+            <p:ph type="sldImg"/>
+          </p:nvPr>
+        </p:nvSpPr>
+        <p:spPr/>
+      </p:sp>
+      <p:sp>
+        <p:nvSpPr>
+          <p:cNvPr id="3" name="ノート プレースホルダー 2"/>
+          <p:cNvSpPr>
+            <a:spLocks noGrp="1"/>
+          </p:cNvSpPr>
+          <p:nvPr>
+            <p:ph type="body" idx="1"/>
+          </p:nvPr>
+        </p:nvSpPr>
+        <p:spPr/>
+        <p:txBody>
+          <a:bodyPr/>
+          <a:lstStyle/>
+          <a:p>
+            <a:r>
+              <a:rPr lang="ja-JP" altLang="en-US" sz="1200" kern="1200" dirty="0" smtClean="0">
+                <a:solidFill>
+                  <a:schemeClr val="tx1"/>
+                </a:solidFill>
+                <a:latin typeface="+mn-lt"/>
+                <a:ea typeface="+mn-ea"/>
+                <a:cs typeface="+mn-cs"/>
+              </a:rPr>
+              <a:t>プレゼンテーションの態度・・・もう少し発表練習が必要　</a:t>
+            </a:r>
+            <a:r>
+              <a:rPr lang="en-US" altLang="ja" sz="1200" kern="1200" dirty="0" smtClean="0">
+                <a:solidFill>
+                  <a:schemeClr val="tx1"/>
+                </a:solidFill>
+                <a:latin typeface="+mn-lt"/>
+                <a:ea typeface="+mn-ea"/>
+                <a:cs typeface="+mn-cs"/>
+              </a:rPr>
+              <a:t>10</a:t>
+            </a:r>
+            <a:r>
+              <a:rPr lang="ja-JP" altLang="en-US" sz="1200" kern="1200" dirty="0" smtClean="0">
+                <a:solidFill>
+                  <a:schemeClr val="tx1"/>
+                </a:solidFill>
+                <a:latin typeface="+mn-lt"/>
+                <a:ea typeface="+mn-ea"/>
+                <a:cs typeface="+mn-cs"/>
+              </a:rPr>
+              <a:t>回くらい練習</a:t>
+            </a:r>
+          </a:p>
+          <a:p>
+            <a:r>
+              <a:rPr lang="en-US" altLang="ja" sz="1200" kern="1200" dirty="0" smtClean="0">
+                <a:solidFill>
+                  <a:schemeClr val="tx1"/>
+                </a:solidFill>
+                <a:latin typeface="+mn-lt"/>
+                <a:ea typeface="+mn-ea"/>
+                <a:cs typeface="+mn-cs"/>
+              </a:rPr>
+              <a:t>3</a:t>
+            </a:r>
+            <a:r>
+              <a:rPr lang="ja-JP" altLang="en-US" sz="1200" kern="1200" dirty="0" smtClean="0">
+                <a:solidFill>
+                  <a:schemeClr val="tx1"/>
+                </a:solidFill>
+                <a:latin typeface="+mn-lt"/>
+                <a:ea typeface="+mn-ea"/>
+                <a:cs typeface="+mn-cs"/>
+              </a:rPr>
+              <a:t>枚目・・・ゲーム市場の動向のグラフ、今後、どのように市場が拡大してゆくのかを説明する</a:t>
+            </a:r>
+          </a:p>
+          <a:p>
+            <a:r>
+              <a:rPr lang="en-US" altLang="ja" sz="1200" kern="1200" dirty="0" smtClean="0">
+                <a:solidFill>
+                  <a:schemeClr val="tx1"/>
+                </a:solidFill>
+                <a:latin typeface="+mn-lt"/>
+                <a:ea typeface="+mn-ea"/>
+                <a:cs typeface="+mn-cs"/>
+              </a:rPr>
+              <a:t>4</a:t>
+            </a:r>
+            <a:r>
+              <a:rPr lang="ja-JP" altLang="en-US" sz="1200" kern="1200" dirty="0" smtClean="0">
+                <a:solidFill>
+                  <a:schemeClr val="tx1"/>
+                </a:solidFill>
+                <a:latin typeface="+mn-lt"/>
+                <a:ea typeface="+mn-ea"/>
+                <a:cs typeface="+mn-cs"/>
+              </a:rPr>
+              <a:t>枚目・・・問題定義のときも、参考文献を出して、これに基づいていますよ </a:t>
+            </a:r>
+            <a:r>
+              <a:rPr lang="en-US" altLang="ja" sz="1200" kern="1200" dirty="0" smtClean="0">
+                <a:solidFill>
+                  <a:schemeClr val="tx1"/>
+                </a:solidFill>
+                <a:latin typeface="+mn-lt"/>
+                <a:ea typeface="+mn-ea"/>
+                <a:cs typeface="+mn-cs"/>
+              </a:rPr>
+              <a:t>(edited)</a:t>
+            </a:r>
+            <a:endParaRPr lang="ja" altLang="en-US" sz="1200" kern="1200" dirty="0" smtClean="0">
+              <a:solidFill>
+                <a:schemeClr val="tx1"/>
+              </a:solidFill>
+              <a:latin typeface="+mn-lt"/>
+              <a:ea typeface="+mn-ea"/>
+              <a:cs typeface="+mn-cs"/>
+            </a:endParaRPr>
+          </a:p>
+          <a:p>
+            <a:r>
+              <a:rPr lang="en-US" altLang="ja" sz="1200" kern="1200" dirty="0" err="1" smtClean="0">
+                <a:solidFill>
+                  <a:schemeClr val="tx1"/>
+                </a:solidFill>
+                <a:latin typeface="+mn-lt"/>
+                <a:ea typeface="+mn-ea"/>
+                <a:cs typeface="+mn-cs"/>
+              </a:rPr>
+              <a:t>nobuhara</a:t>
+            </a:r>
+            <a:r>
+              <a:rPr lang="en-US" altLang="ja" sz="1200" kern="1200" dirty="0" smtClean="0">
+                <a:solidFill>
+                  <a:schemeClr val="tx1"/>
+                </a:solidFill>
+                <a:latin typeface="+mn-lt"/>
+                <a:ea typeface="+mn-ea"/>
+                <a:cs typeface="+mn-cs"/>
+              </a:rPr>
+              <a:t> [10:40 AM] </a:t>
+            </a:r>
+            <a:endParaRPr lang="ja" altLang="en-US" sz="1200" kern="1200" dirty="0" smtClean="0">
+              <a:solidFill>
+                <a:schemeClr val="tx1"/>
+              </a:solidFill>
+              <a:latin typeface="+mn-lt"/>
+              <a:ea typeface="+mn-ea"/>
+              <a:cs typeface="+mn-cs"/>
+            </a:endParaRPr>
+          </a:p>
+          <a:p>
+            <a:r>
+              <a:rPr lang="en-US" altLang="ja" sz="1200" kern="1200" dirty="0" smtClean="0">
+                <a:solidFill>
+                  <a:schemeClr val="tx1"/>
+                </a:solidFill>
+                <a:latin typeface="+mn-lt"/>
+                <a:ea typeface="+mn-ea"/>
+                <a:cs typeface="+mn-cs"/>
+              </a:rPr>
+              <a:t>6</a:t>
+            </a:r>
+            <a:r>
+              <a:rPr lang="ja-JP" altLang="en-US" sz="1200" kern="1200" dirty="0" smtClean="0">
+                <a:solidFill>
+                  <a:schemeClr val="tx1"/>
+                </a:solidFill>
+                <a:latin typeface="+mn-lt"/>
+                <a:ea typeface="+mn-ea"/>
+                <a:cs typeface="+mn-cs"/>
+              </a:rPr>
+              <a:t>枚目、区別がつきやすい色に</a:t>
+            </a:r>
+          </a:p>
+          <a:p>
+            <a:r>
+              <a:rPr lang="en-US" altLang="ja" sz="1200" kern="1200" dirty="0" smtClean="0">
+                <a:solidFill>
+                  <a:schemeClr val="tx1"/>
+                </a:solidFill>
+                <a:latin typeface="+mn-lt"/>
+                <a:ea typeface="+mn-ea"/>
+                <a:cs typeface="+mn-cs"/>
+              </a:rPr>
+              <a:t>[10:41]  </a:t>
+            </a:r>
+            <a:endParaRPr lang="ja" altLang="en-US" sz="1200" kern="1200" dirty="0" smtClean="0">
+              <a:solidFill>
+                <a:schemeClr val="tx1"/>
+              </a:solidFill>
+              <a:latin typeface="+mn-lt"/>
+              <a:ea typeface="+mn-ea"/>
+              <a:cs typeface="+mn-cs"/>
+            </a:endParaRPr>
+          </a:p>
+          <a:p>
+            <a:r>
+              <a:rPr lang="en-US" altLang="ja" sz="1200" kern="1200" dirty="0" smtClean="0">
+                <a:solidFill>
+                  <a:schemeClr val="tx1"/>
+                </a:solidFill>
+                <a:latin typeface="+mn-lt"/>
+                <a:ea typeface="+mn-ea"/>
+                <a:cs typeface="+mn-cs"/>
+              </a:rPr>
+              <a:t>7</a:t>
+            </a:r>
+            <a:r>
+              <a:rPr lang="ja-JP" altLang="en-US" sz="1200" kern="1200" dirty="0" smtClean="0">
+                <a:solidFill>
+                  <a:schemeClr val="tx1"/>
+                </a:solidFill>
+                <a:latin typeface="+mn-lt"/>
+                <a:ea typeface="+mn-ea"/>
+                <a:cs typeface="+mn-cs"/>
+              </a:rPr>
+              <a:t>枚目、ポップのところを、それぞれのパーサに戻すように</a:t>
+            </a:r>
+          </a:p>
+          <a:p>
+            <a:r>
+              <a:rPr lang="en-US" altLang="ja" sz="1200" kern="1200" dirty="0" smtClean="0">
+                <a:solidFill>
+                  <a:schemeClr val="tx1"/>
+                </a:solidFill>
+                <a:latin typeface="+mn-lt"/>
+                <a:ea typeface="+mn-ea"/>
+                <a:cs typeface="+mn-cs"/>
+              </a:rPr>
+              <a:t>[10:43]  </a:t>
+            </a:r>
+            <a:endParaRPr lang="ja" altLang="en-US" sz="1200" kern="1200" dirty="0" smtClean="0">
+              <a:solidFill>
+                <a:schemeClr val="tx1"/>
+              </a:solidFill>
+              <a:latin typeface="+mn-lt"/>
+              <a:ea typeface="+mn-ea"/>
+              <a:cs typeface="+mn-cs"/>
+            </a:endParaRPr>
+          </a:p>
+          <a:p>
+            <a:r>
+              <a:rPr lang="en-US" altLang="ja" sz="1200" kern="1200" dirty="0" smtClean="0">
+                <a:solidFill>
+                  <a:schemeClr val="tx1"/>
+                </a:solidFill>
+                <a:latin typeface="+mn-lt"/>
+                <a:ea typeface="+mn-ea"/>
+                <a:cs typeface="+mn-cs"/>
+              </a:rPr>
+              <a:t>8</a:t>
+            </a:r>
+            <a:r>
+              <a:rPr lang="ja-JP" altLang="en-US" sz="1200" kern="1200" dirty="0" smtClean="0">
+                <a:solidFill>
+                  <a:schemeClr val="tx1"/>
+                </a:solidFill>
+                <a:latin typeface="+mn-lt"/>
+                <a:ea typeface="+mn-ea"/>
+                <a:cs typeface="+mn-cs"/>
+              </a:rPr>
+              <a:t>枚目以降、優先キューという言葉を併記</a:t>
+            </a:r>
+          </a:p>
+          <a:p>
+            <a:r>
+              <a:rPr lang="en-US" altLang="ja" sz="1200" kern="1200" dirty="0" smtClean="0">
+                <a:solidFill>
+                  <a:schemeClr val="tx1"/>
+                </a:solidFill>
+                <a:latin typeface="+mn-lt"/>
+                <a:ea typeface="+mn-ea"/>
+                <a:cs typeface="+mn-cs"/>
+              </a:rPr>
+              <a:t>[10:46]  </a:t>
+            </a:r>
+            <a:endParaRPr lang="ja" altLang="en-US" sz="1200" kern="1200" dirty="0" smtClean="0">
+              <a:solidFill>
+                <a:schemeClr val="tx1"/>
+              </a:solidFill>
+              <a:latin typeface="+mn-lt"/>
+              <a:ea typeface="+mn-ea"/>
+              <a:cs typeface="+mn-cs"/>
+            </a:endParaRPr>
+          </a:p>
+          <a:p>
+            <a:r>
+              <a:rPr lang="en-US" altLang="ja" sz="1200" kern="1200" dirty="0" smtClean="0">
+                <a:solidFill>
+                  <a:schemeClr val="tx1"/>
+                </a:solidFill>
+                <a:latin typeface="+mn-lt"/>
+                <a:ea typeface="+mn-ea"/>
+                <a:cs typeface="+mn-cs"/>
+              </a:rPr>
+              <a:t>8</a:t>
+            </a:r>
+            <a:r>
+              <a:rPr lang="zh-CN" altLang="en-US" sz="1200" kern="1200" dirty="0" smtClean="0">
+                <a:solidFill>
+                  <a:schemeClr val="tx1"/>
+                </a:solidFill>
+                <a:latin typeface="+mn-lt"/>
+                <a:ea typeface="+mn-ea"/>
+                <a:cs typeface="+mn-cs"/>
+              </a:rPr>
+              <a:t>枚目、</a:t>
+            </a:r>
+            <a:r>
+              <a:rPr lang="en-US" altLang="ja" sz="1200" kern="1200" dirty="0" smtClean="0">
+                <a:solidFill>
+                  <a:schemeClr val="tx1"/>
+                </a:solidFill>
+                <a:latin typeface="+mn-lt"/>
+                <a:ea typeface="+mn-ea"/>
+                <a:cs typeface="+mn-cs"/>
+              </a:rPr>
+              <a:t>Pursuer-cover-set</a:t>
+            </a:r>
+            <a:r>
+              <a:rPr lang="ja-JP" altLang="en-US" sz="1200" kern="1200" dirty="0" smtClean="0">
+                <a:solidFill>
+                  <a:schemeClr val="tx1"/>
+                </a:solidFill>
+                <a:latin typeface="+mn-lt"/>
+                <a:ea typeface="+mn-ea"/>
+                <a:cs typeface="+mn-cs"/>
+              </a:rPr>
+              <a:t>の</a:t>
+            </a:r>
+            <a:r>
+              <a:rPr lang="en-US" altLang="ja" sz="1200" kern="1200" dirty="0" smtClean="0">
+                <a:solidFill>
+                  <a:schemeClr val="tx1"/>
+                </a:solidFill>
+                <a:latin typeface="+mn-lt"/>
+                <a:ea typeface="+mn-ea"/>
+                <a:cs typeface="+mn-cs"/>
+              </a:rPr>
+              <a:t>85</a:t>
+            </a:r>
+            <a:r>
+              <a:rPr lang="ja-JP" altLang="en-US" sz="1200" kern="1200" dirty="0" smtClean="0">
+                <a:solidFill>
+                  <a:schemeClr val="tx1"/>
+                </a:solidFill>
+                <a:latin typeface="+mn-lt"/>
+                <a:ea typeface="+mn-ea"/>
+                <a:cs typeface="+mn-cs"/>
+              </a:rPr>
+              <a:t>の</a:t>
+            </a:r>
+            <a:r>
+              <a:rPr lang="zh-CN" altLang="en-US" sz="1200" kern="1200" dirty="0" smtClean="0">
+                <a:solidFill>
+                  <a:schemeClr val="tx1"/>
+                </a:solidFill>
+                <a:latin typeface="+mn-lt"/>
+                <a:ea typeface="+mn-ea"/>
+                <a:cs typeface="+mn-cs"/>
+              </a:rPr>
+              <a:t>下</a:t>
+            </a:r>
+            <a:r>
+              <a:rPr lang="ja-JP" altLang="en-US" sz="1200" kern="1200" dirty="0" smtClean="0">
+                <a:solidFill>
+                  <a:schemeClr val="tx1"/>
+                </a:solidFill>
+                <a:latin typeface="+mn-lt"/>
+                <a:ea typeface="+mn-ea"/>
+                <a:cs typeface="+mn-cs"/>
+              </a:rPr>
+              <a:t>に、</a:t>
+            </a:r>
+            <a:r>
+              <a:rPr lang="en-US" altLang="ja" sz="1200" kern="1200" dirty="0" smtClean="0">
+                <a:solidFill>
+                  <a:schemeClr val="tx1"/>
+                </a:solidFill>
+                <a:latin typeface="+mn-lt"/>
+                <a:ea typeface="+mn-ea"/>
+                <a:cs typeface="+mn-cs"/>
+              </a:rPr>
+              <a:t>Pursuer</a:t>
+            </a:r>
+            <a:r>
+              <a:rPr lang="ja-JP" altLang="en-US" sz="1200" kern="1200" dirty="0" smtClean="0">
+                <a:solidFill>
+                  <a:schemeClr val="tx1"/>
+                </a:solidFill>
+                <a:latin typeface="+mn-lt"/>
+                <a:ea typeface="+mn-ea"/>
+                <a:cs typeface="+mn-cs"/>
+              </a:rPr>
+              <a:t>到達可能領域の薄い赤いブロックを置いて、その数であることがわかりやすく示す</a:t>
+            </a:r>
+          </a:p>
+          <a:p>
+            <a:r>
+              <a:rPr lang="en-US" altLang="ja" sz="1200" kern="1200" dirty="0" smtClean="0">
+                <a:solidFill>
+                  <a:schemeClr val="tx1"/>
+                </a:solidFill>
+                <a:latin typeface="+mn-lt"/>
+                <a:ea typeface="+mn-ea"/>
+                <a:cs typeface="+mn-cs"/>
+              </a:rPr>
+              <a:t>[10:47]  </a:t>
+            </a:r>
+            <a:endParaRPr lang="ja" altLang="en-US" sz="1200" kern="1200" dirty="0" smtClean="0">
+              <a:solidFill>
+                <a:schemeClr val="tx1"/>
+              </a:solidFill>
+              <a:latin typeface="+mn-lt"/>
+              <a:ea typeface="+mn-ea"/>
+              <a:cs typeface="+mn-cs"/>
+            </a:endParaRPr>
+          </a:p>
+          <a:p>
+            <a:r>
+              <a:rPr lang="en-US" altLang="ja" sz="1200" kern="1200" dirty="0" smtClean="0">
+                <a:solidFill>
+                  <a:schemeClr val="tx1"/>
+                </a:solidFill>
+                <a:latin typeface="+mn-lt"/>
+                <a:ea typeface="+mn-ea"/>
+                <a:cs typeface="+mn-cs"/>
+              </a:rPr>
+              <a:t>9</a:t>
+            </a:r>
+            <a:r>
+              <a:rPr lang="ja-JP" altLang="en-US" sz="1200" kern="1200" dirty="0" smtClean="0">
+                <a:solidFill>
+                  <a:schemeClr val="tx1"/>
+                </a:solidFill>
+                <a:latin typeface="+mn-lt"/>
+                <a:ea typeface="+mn-ea"/>
+                <a:cs typeface="+mn-cs"/>
+              </a:rPr>
+              <a:t>枚目、最も値の大きい方向に移動することを決定、と明記すること</a:t>
+            </a:r>
+          </a:p>
+          <a:p>
+            <a:r>
+              <a:rPr lang="en-US" altLang="ja" sz="1200" kern="1200" dirty="0" smtClean="0">
+                <a:solidFill>
+                  <a:schemeClr val="tx1"/>
+                </a:solidFill>
+                <a:latin typeface="+mn-lt"/>
+                <a:ea typeface="+mn-ea"/>
+                <a:cs typeface="+mn-cs"/>
+              </a:rPr>
+              <a:t>[10:48]  </a:t>
+            </a:r>
+            <a:endParaRPr lang="ja" altLang="en-US" sz="1200" kern="1200" dirty="0" smtClean="0">
+              <a:solidFill>
+                <a:schemeClr val="tx1"/>
+              </a:solidFill>
+              <a:latin typeface="+mn-lt"/>
+              <a:ea typeface="+mn-ea"/>
+              <a:cs typeface="+mn-cs"/>
+            </a:endParaRPr>
+          </a:p>
+          <a:p>
+            <a:r>
+              <a:rPr lang="en-US" altLang="ja" sz="1200" kern="1200" dirty="0" smtClean="0">
+                <a:solidFill>
+                  <a:schemeClr val="tx1"/>
+                </a:solidFill>
+                <a:latin typeface="+mn-lt"/>
+                <a:ea typeface="+mn-ea"/>
+                <a:cs typeface="+mn-cs"/>
+              </a:rPr>
+              <a:t>10</a:t>
+            </a:r>
+            <a:r>
+              <a:rPr lang="ja-JP" altLang="en-US" sz="1200" kern="1200" dirty="0" smtClean="0">
+                <a:solidFill>
+                  <a:schemeClr val="tx1"/>
+                </a:solidFill>
+                <a:latin typeface="+mn-lt"/>
+                <a:ea typeface="+mn-ea"/>
+                <a:cs typeface="+mn-cs"/>
+              </a:rPr>
+              <a:t>枚目の矢印を出して、その下に、上下左右の</a:t>
+            </a:r>
+            <a:r>
+              <a:rPr lang="en-US" altLang="ja" sz="1200" kern="1200" dirty="0" smtClean="0">
+                <a:solidFill>
+                  <a:schemeClr val="tx1"/>
+                </a:solidFill>
+                <a:latin typeface="+mn-lt"/>
+                <a:ea typeface="+mn-ea"/>
+                <a:cs typeface="+mn-cs"/>
+              </a:rPr>
+              <a:t>Pursuer-cover-set</a:t>
+            </a:r>
+            <a:r>
+              <a:rPr lang="ja-JP" altLang="en-US" sz="1200" kern="1200" dirty="0" smtClean="0">
+                <a:solidFill>
+                  <a:schemeClr val="tx1"/>
+                </a:solidFill>
+                <a:latin typeface="+mn-lt"/>
+                <a:ea typeface="+mn-ea"/>
+                <a:cs typeface="+mn-cs"/>
+              </a:rPr>
+              <a:t>の値が等しいことを明記</a:t>
+            </a:r>
+          </a:p>
+          <a:p>
+            <a:r>
+              <a:rPr lang="en-US" altLang="ja" sz="1200" kern="1200" dirty="0" smtClean="0">
+                <a:solidFill>
+                  <a:schemeClr val="tx1"/>
+                </a:solidFill>
+                <a:latin typeface="+mn-lt"/>
+                <a:ea typeface="+mn-ea"/>
+                <a:cs typeface="+mn-cs"/>
+              </a:rPr>
+              <a:t>[10:49]  </a:t>
+            </a:r>
+            <a:endParaRPr lang="ja" altLang="en-US" sz="1200" kern="1200" dirty="0" smtClean="0">
+              <a:solidFill>
+                <a:schemeClr val="tx1"/>
+              </a:solidFill>
+              <a:latin typeface="+mn-lt"/>
+              <a:ea typeface="+mn-ea"/>
+              <a:cs typeface="+mn-cs"/>
+            </a:endParaRPr>
+          </a:p>
+          <a:p>
+            <a:r>
+              <a:rPr lang="en-US" altLang="ja" sz="1200" kern="1200" dirty="0" smtClean="0">
+                <a:solidFill>
+                  <a:schemeClr val="tx1"/>
+                </a:solidFill>
+                <a:latin typeface="+mn-lt"/>
+                <a:ea typeface="+mn-ea"/>
+                <a:cs typeface="+mn-cs"/>
+              </a:rPr>
+              <a:t>P2</a:t>
+            </a:r>
+            <a:r>
+              <a:rPr lang="ja-JP" altLang="en-US" sz="1200" kern="1200" dirty="0" smtClean="0">
+                <a:solidFill>
+                  <a:schemeClr val="tx1"/>
+                </a:solidFill>
+                <a:latin typeface="+mn-lt"/>
+                <a:ea typeface="+mn-ea"/>
+                <a:cs typeface="+mn-cs"/>
+              </a:rPr>
+              <a:t>が移動決定できない状態</a:t>
+            </a:r>
+          </a:p>
+          <a:p>
+            <a:r>
+              <a:rPr lang="en-US" altLang="ja" sz="1200" kern="1200" dirty="0" smtClean="0">
+                <a:solidFill>
+                  <a:schemeClr val="tx1"/>
+                </a:solidFill>
+                <a:latin typeface="+mn-lt"/>
+                <a:ea typeface="+mn-ea"/>
+                <a:cs typeface="+mn-cs"/>
+              </a:rPr>
+              <a:t>[10:49]  </a:t>
+            </a:r>
+            <a:endParaRPr lang="ja" altLang="en-US" sz="1200" kern="1200" dirty="0" smtClean="0">
+              <a:solidFill>
+                <a:schemeClr val="tx1"/>
+              </a:solidFill>
+              <a:latin typeface="+mn-lt"/>
+              <a:ea typeface="+mn-ea"/>
+              <a:cs typeface="+mn-cs"/>
+            </a:endParaRPr>
+          </a:p>
+          <a:p>
+            <a:r>
+              <a:rPr lang="en-US" altLang="ja" sz="1200" kern="1200" dirty="0" smtClean="0">
+                <a:solidFill>
+                  <a:schemeClr val="tx1"/>
+                </a:solidFill>
+                <a:latin typeface="+mn-lt"/>
+                <a:ea typeface="+mn-ea"/>
+                <a:cs typeface="+mn-cs"/>
+              </a:rPr>
+              <a:t>11</a:t>
+            </a:r>
+            <a:r>
+              <a:rPr lang="ja-JP" altLang="en-US" sz="1200" kern="1200" dirty="0" err="1" smtClean="0">
+                <a:solidFill>
+                  <a:schemeClr val="tx1"/>
+                </a:solidFill>
+                <a:latin typeface="+mn-lt"/>
+                <a:ea typeface="+mn-ea"/>
+                <a:cs typeface="+mn-cs"/>
+              </a:rPr>
+              <a:t>枚め</a:t>
+            </a:r>
+            <a:r>
+              <a:rPr lang="ja-JP" altLang="en-US" sz="1200" kern="1200" dirty="0" smtClean="0">
+                <a:solidFill>
+                  <a:schemeClr val="tx1"/>
+                </a:solidFill>
+                <a:latin typeface="+mn-lt"/>
+                <a:ea typeface="+mn-ea"/>
+                <a:cs typeface="+mn-cs"/>
+              </a:rPr>
+              <a:t>、提案手法の工夫＝キューを</a:t>
+            </a:r>
+            <a:r>
+              <a:rPr lang="en-US" altLang="ja" sz="1200" kern="1200" dirty="0" smtClean="0">
+                <a:solidFill>
+                  <a:schemeClr val="tx1"/>
+                </a:solidFill>
+                <a:latin typeface="+mn-lt"/>
+                <a:ea typeface="+mn-ea"/>
+                <a:cs typeface="+mn-cs"/>
+              </a:rPr>
+              <a:t>2</a:t>
+            </a:r>
+            <a:r>
+              <a:rPr lang="ja-JP" altLang="en-US" sz="1200" kern="1200" dirty="0" smtClean="0">
+                <a:solidFill>
+                  <a:schemeClr val="tx1"/>
+                </a:solidFill>
+                <a:latin typeface="+mn-lt"/>
+                <a:ea typeface="+mn-ea"/>
+                <a:cs typeface="+mn-cs"/>
+              </a:rPr>
+              <a:t>つ</a:t>
+            </a:r>
+            <a:r>
+              <a:rPr lang="zh-CN" altLang="en-US" sz="1200" kern="1200" dirty="0" smtClean="0">
+                <a:solidFill>
+                  <a:schemeClr val="tx1"/>
+                </a:solidFill>
+                <a:latin typeface="+mn-lt"/>
+                <a:ea typeface="+mn-ea"/>
+                <a:cs typeface="+mn-cs"/>
+              </a:rPr>
+              <a:t>準備</a:t>
+            </a:r>
+          </a:p>
+          <a:p>
+            <a:r>
+              <a:rPr lang="en-US" altLang="ja" sz="1200" kern="1200" dirty="0" smtClean="0">
+                <a:solidFill>
+                  <a:schemeClr val="tx1"/>
+                </a:solidFill>
+                <a:latin typeface="+mn-lt"/>
+                <a:ea typeface="+mn-ea"/>
+                <a:cs typeface="+mn-cs"/>
+              </a:rPr>
+              <a:t>[10:51]  </a:t>
+            </a:r>
+            <a:endParaRPr lang="ja" altLang="en-US" sz="1200" kern="1200" dirty="0" smtClean="0">
+              <a:solidFill>
+                <a:schemeClr val="tx1"/>
+              </a:solidFill>
+              <a:latin typeface="+mn-lt"/>
+              <a:ea typeface="+mn-ea"/>
+              <a:cs typeface="+mn-cs"/>
+            </a:endParaRPr>
+          </a:p>
+          <a:p>
+            <a:r>
+              <a:rPr lang="en-US" altLang="ja" sz="1200" kern="1200" dirty="0" smtClean="0">
+                <a:solidFill>
+                  <a:schemeClr val="tx1"/>
+                </a:solidFill>
+                <a:latin typeface="+mn-lt"/>
+                <a:ea typeface="+mn-ea"/>
+                <a:cs typeface="+mn-cs"/>
+              </a:rPr>
+              <a:t>12</a:t>
+            </a:r>
+            <a:r>
+              <a:rPr lang="ja-JP" altLang="en-US" sz="1200" kern="1200" dirty="0" smtClean="0">
+                <a:solidFill>
+                  <a:schemeClr val="tx1"/>
+                </a:solidFill>
+                <a:latin typeface="+mn-lt"/>
+                <a:ea typeface="+mn-ea"/>
+                <a:cs typeface="+mn-cs"/>
+              </a:rPr>
+              <a:t>枚目・・・どうして計算量が削減できるのかを示す</a:t>
+            </a:r>
+          </a:p>
+          <a:p>
+            <a:r>
+              <a:rPr lang="en-US" altLang="ja" sz="1200" kern="1200" dirty="0" smtClean="0">
+                <a:solidFill>
+                  <a:schemeClr val="tx1"/>
+                </a:solidFill>
+                <a:latin typeface="+mn-lt"/>
+                <a:ea typeface="+mn-ea"/>
+                <a:cs typeface="+mn-cs"/>
+              </a:rPr>
+              <a:t>[10:53]  </a:t>
+            </a:r>
+            <a:endParaRPr lang="ja" altLang="en-US" sz="1200" kern="1200" dirty="0" smtClean="0">
+              <a:solidFill>
+                <a:schemeClr val="tx1"/>
+              </a:solidFill>
+              <a:latin typeface="+mn-lt"/>
+              <a:ea typeface="+mn-ea"/>
+              <a:cs typeface="+mn-cs"/>
+            </a:endParaRPr>
+          </a:p>
+          <a:p>
+            <a:r>
+              <a:rPr lang="en-US" altLang="ja" sz="1200" kern="1200" dirty="0" smtClean="0">
+                <a:solidFill>
+                  <a:schemeClr val="tx1"/>
+                </a:solidFill>
+                <a:latin typeface="+mn-lt"/>
+                <a:ea typeface="+mn-ea"/>
+                <a:cs typeface="+mn-cs"/>
+              </a:rPr>
+              <a:t>13</a:t>
+            </a:r>
+            <a:r>
+              <a:rPr lang="ja-JP" altLang="en-US" sz="1200" kern="1200" dirty="0" smtClean="0">
+                <a:solidFill>
+                  <a:schemeClr val="tx1"/>
+                </a:solidFill>
+                <a:latin typeface="+mn-lt"/>
+                <a:ea typeface="+mn-ea"/>
+                <a:cs typeface="+mn-cs"/>
+              </a:rPr>
+              <a:t>枚目・・・どれが</a:t>
+            </a:r>
+            <a:r>
+              <a:rPr lang="en-US" altLang="ja" sz="1200" kern="1200" dirty="0" smtClean="0">
+                <a:solidFill>
+                  <a:schemeClr val="tx1"/>
+                </a:solidFill>
+                <a:latin typeface="+mn-lt"/>
+                <a:ea typeface="+mn-ea"/>
+                <a:cs typeface="+mn-cs"/>
+              </a:rPr>
+              <a:t>Tie Breaking</a:t>
+            </a:r>
+            <a:r>
+              <a:rPr lang="ja-JP" altLang="en-US" sz="1200" kern="1200" dirty="0" smtClean="0">
+                <a:solidFill>
+                  <a:schemeClr val="tx1"/>
+                </a:solidFill>
+                <a:latin typeface="+mn-lt"/>
+                <a:ea typeface="+mn-ea"/>
+                <a:cs typeface="+mn-cs"/>
+              </a:rPr>
+              <a:t>が発生しているのかをハイライトしてください</a:t>
+            </a:r>
+          </a:p>
+          <a:p>
+            <a:r>
+              <a:rPr lang="ja-JP" altLang="en-US" sz="1200" kern="1200" dirty="0" smtClean="0">
+                <a:solidFill>
+                  <a:schemeClr val="tx1"/>
+                </a:solidFill>
+                <a:latin typeface="+mn-lt"/>
+                <a:ea typeface="+mn-ea"/>
+                <a:cs typeface="+mn-cs"/>
+              </a:rPr>
+              <a:t>これが移動決定できない状態・・・</a:t>
+            </a:r>
+            <a:r>
+              <a:rPr lang="en-US" altLang="ja" sz="1200" kern="1200" dirty="0" smtClean="0">
+                <a:solidFill>
+                  <a:schemeClr val="tx1"/>
+                </a:solidFill>
+                <a:latin typeface="+mn-lt"/>
+                <a:ea typeface="+mn-ea"/>
+                <a:cs typeface="+mn-cs"/>
+              </a:rPr>
+              <a:t>Tie Breaking </a:t>
+            </a:r>
+            <a:r>
+              <a:rPr lang="ja-JP" altLang="en-US" sz="1200" kern="1200" dirty="0" smtClean="0">
+                <a:solidFill>
+                  <a:schemeClr val="tx1"/>
+                </a:solidFill>
+                <a:latin typeface="+mn-lt"/>
+                <a:ea typeface="+mn-ea"/>
+                <a:cs typeface="+mn-cs"/>
+              </a:rPr>
+              <a:t>発生・・・ここに</a:t>
+            </a:r>
+            <a:r>
+              <a:rPr lang="en-US" altLang="ja" sz="1200" kern="1200" dirty="0" smtClean="0">
+                <a:solidFill>
+                  <a:schemeClr val="tx1"/>
+                </a:solidFill>
+                <a:latin typeface="+mn-lt"/>
+                <a:ea typeface="+mn-ea"/>
+                <a:cs typeface="+mn-cs"/>
+              </a:rPr>
+              <a:t>A Star Algorithm</a:t>
+            </a:r>
+            <a:r>
+              <a:rPr lang="ja-JP" altLang="en-US" sz="1200" kern="1200" dirty="0" smtClean="0">
+                <a:solidFill>
+                  <a:schemeClr val="tx1"/>
+                </a:solidFill>
+                <a:latin typeface="+mn-lt"/>
+                <a:ea typeface="+mn-ea"/>
+                <a:cs typeface="+mn-cs"/>
+              </a:rPr>
+              <a:t>を</a:t>
+            </a:r>
+            <a:r>
+              <a:rPr lang="zh-CN" altLang="en-US" sz="1200" kern="1200" dirty="0" smtClean="0">
+                <a:solidFill>
+                  <a:schemeClr val="tx1"/>
+                </a:solidFill>
+                <a:latin typeface="+mn-lt"/>
+                <a:ea typeface="+mn-ea"/>
+                <a:cs typeface="+mn-cs"/>
+              </a:rPr>
+              <a:t>適用</a:t>
+            </a:r>
+          </a:p>
+          <a:p>
+            <a:r>
+              <a:rPr lang="en-US" altLang="ja" sz="1200" kern="1200" dirty="0" smtClean="0">
+                <a:solidFill>
+                  <a:schemeClr val="tx1"/>
+                </a:solidFill>
+                <a:latin typeface="+mn-lt"/>
+                <a:ea typeface="+mn-ea"/>
+                <a:cs typeface="+mn-cs"/>
+              </a:rPr>
+              <a:t>[10:57]  </a:t>
+            </a:r>
+            <a:endParaRPr lang="ja" altLang="en-US" sz="1200" kern="1200" dirty="0" smtClean="0">
+              <a:solidFill>
+                <a:schemeClr val="tx1"/>
+              </a:solidFill>
+              <a:latin typeface="+mn-lt"/>
+              <a:ea typeface="+mn-ea"/>
+              <a:cs typeface="+mn-cs"/>
+            </a:endParaRPr>
+          </a:p>
+          <a:p>
+            <a:r>
+              <a:rPr lang="en-US" altLang="ja" sz="1200" kern="1200" dirty="0" smtClean="0">
+                <a:solidFill>
+                  <a:schemeClr val="tx1"/>
+                </a:solidFill>
+                <a:latin typeface="+mn-lt"/>
+                <a:ea typeface="+mn-ea"/>
+                <a:cs typeface="+mn-cs"/>
+              </a:rPr>
+              <a:t>16</a:t>
+            </a:r>
+            <a:r>
+              <a:rPr lang="ja-JP" altLang="en-US" sz="1200" kern="1200" dirty="0" smtClean="0">
+                <a:solidFill>
+                  <a:schemeClr val="tx1"/>
+                </a:solidFill>
+                <a:latin typeface="+mn-lt"/>
+                <a:ea typeface="+mn-ea"/>
+                <a:cs typeface="+mn-cs"/>
+              </a:rPr>
+              <a:t>枚目以降に、デモンストレーションのムービーがあると絶対に受賞できます！</a:t>
+            </a:r>
+          </a:p>
+          <a:p>
+            <a:r>
+              <a:rPr lang="en-US" altLang="ja" sz="1200" kern="1200" dirty="0" smtClean="0">
+                <a:solidFill>
+                  <a:schemeClr val="tx1"/>
+                </a:solidFill>
+                <a:latin typeface="+mn-lt"/>
+                <a:ea typeface="+mn-ea"/>
+                <a:cs typeface="+mn-cs"/>
+              </a:rPr>
+              <a:t>[10:58]  </a:t>
+            </a:r>
+            <a:endParaRPr lang="ja" altLang="en-US" sz="1200" kern="1200" dirty="0" smtClean="0">
+              <a:solidFill>
+                <a:schemeClr val="tx1"/>
+              </a:solidFill>
+              <a:latin typeface="+mn-lt"/>
+              <a:ea typeface="+mn-ea"/>
+              <a:cs typeface="+mn-cs"/>
+            </a:endParaRPr>
+          </a:p>
+          <a:p>
+            <a:r>
+              <a:rPr lang="ja-JP" altLang="en-US" sz="1200" kern="1200" smtClean="0">
+                <a:solidFill>
+                  <a:schemeClr val="tx1"/>
+                </a:solidFill>
+                <a:latin typeface="+mn-lt"/>
+                <a:ea typeface="+mn-ea"/>
+                <a:cs typeface="+mn-cs"/>
+              </a:rPr>
+              <a:t>もう一度、発表練習・・・来週のスケジュールを教えてください</a:t>
+            </a:r>
+          </a:p>
+          <a:p>
+            <a:endParaRPr lang="zh-CN" altLang="en-US"/>
+          </a:p>
+        </p:txBody>
+      </p:sp>
+      <p:sp>
+        <p:nvSpPr>
+          <p:cNvPr id="4" name="スライド番号プレースホルダー 3"/>
+          <p:cNvSpPr>
+            <a:spLocks noGrp="1"/>
+          </p:cNvSpPr>
+          <p:nvPr>
+            <p:ph type="sldNum" sz="quarter" idx="10"/>
+          </p:nvPr>
+        </p:nvSpPr>
+        <p:spPr/>
+        <p:txBody>
+          <a:bodyPr/>
+          <a:lstStyle/>
+          <a:p>
+            <a:fld id="{09AD0E92-B48E-45B2-A01B-1B466D239D16}" type="slidenum">
+              <a:rPr lang="en-US" smtClean="0"/>
+              <a:t>20</a:t>
+            </a:fld>
+            <a:endParaRPr lang="en-US"/>
+          </a:p>
+        </p:txBody>
+      </p:sp>
+    </p:spTree>
+    <p:extLst>
+      <p:ext uri="{BB962C8B-B14F-4D97-AF65-F5344CB8AC3E}">
+        <p14:creationId xmlns:p14="http://schemas.microsoft.com/office/powerpoint/2010/main" val="1925491570"/>
+      </p:ext>
+    </p:extLst>
+  </p:cSld>
+  <p:clrMapOvr>
+    <a:masterClrMapping/>
+  </p:clrMapOvr>
+</p:notes>
+</file>
+
 <file path=ppt/notesSlides/notesSlide3.xml><?xml version="1.0" encoding="utf-8"?>
 <p:notes xmlns:a="http://schemas.openxmlformats.org/drawingml/2006/main" xmlns:r="http://schemas.openxmlformats.org/officeDocument/2006/relationships" xmlns:p="http://schemas.openxmlformats.org/presentationml/2006/main">
   <p:cSld>
@@ -4770,7 +5737,7 @@
           <a:p>
             <a:fld id="{3795C8E5-27A4-4334-A1C6-A437AB953422}" type="datetime1">
               <a:rPr lang="en-US" altLang="zh-CN" smtClean="0"/>
-              <a:t>3/10/2017</a:t>
+              <a:t>3/11/2017</a:t>
             </a:fld>
             <a:endParaRPr lang="en-US"/>
           </a:p>
@@ -4940,7 +5907,7 @@
           <a:p>
             <a:fld id="{CE4D2D9F-0114-4A8F-928D-2A341CE3D532}" type="datetime1">
               <a:rPr lang="en-US" altLang="zh-CN" smtClean="0"/>
-              <a:t>3/10/2017</a:t>
+              <a:t>3/11/2017</a:t>
             </a:fld>
             <a:endParaRPr lang="en-US"/>
           </a:p>
@@ -5120,7 +6087,7 @@
           <a:p>
             <a:fld id="{44E78C70-CCB1-433B-84A8-C39A6B7056FE}" type="datetime1">
               <a:rPr lang="en-US" altLang="zh-CN" smtClean="0"/>
-              <a:t>3/10/2017</a:t>
+              <a:t>3/11/2017</a:t>
             </a:fld>
             <a:endParaRPr lang="en-US"/>
           </a:p>
@@ -5290,7 +6257,7 @@
           <a:p>
             <a:fld id="{0FDB6D4B-B42D-4CCB-B55B-D53D35DBD218}" type="datetime1">
               <a:rPr lang="en-US" altLang="zh-CN" smtClean="0"/>
-              <a:t>3/10/2017</a:t>
+              <a:t>3/11/2017</a:t>
             </a:fld>
             <a:endParaRPr lang="en-US"/>
           </a:p>
@@ -5536,7 +6503,7 @@
           <a:p>
             <a:fld id="{54504E0A-7451-45E1-A150-DAAF9C649E9E}" type="datetime1">
               <a:rPr lang="en-US" altLang="zh-CN" smtClean="0"/>
-              <a:t>3/10/2017</a:t>
+              <a:t>3/11/2017</a:t>
             </a:fld>
             <a:endParaRPr lang="en-US"/>
           </a:p>
@@ -5768,7 +6735,7 @@
           <a:p>
             <a:fld id="{E2E9413C-E72F-4D43-9B06-A84ED277EFB8}" type="datetime1">
               <a:rPr lang="en-US" altLang="zh-CN" smtClean="0"/>
-              <a:t>3/10/2017</a:t>
+              <a:t>3/11/2017</a:t>
             </a:fld>
             <a:endParaRPr lang="en-US"/>
           </a:p>
@@ -6135,7 +7102,7 @@
           <a:p>
             <a:fld id="{45D998D3-8700-4D28-9412-B2CFBDBA6F39}" type="datetime1">
               <a:rPr lang="en-US" altLang="zh-CN" smtClean="0"/>
-              <a:t>3/10/2017</a:t>
+              <a:t>3/11/2017</a:t>
             </a:fld>
             <a:endParaRPr lang="en-US"/>
           </a:p>
@@ -6253,7 +7220,7 @@
           <a:p>
             <a:fld id="{B3AE495A-9F94-43D2-9EFB-DE683533F145}" type="datetime1">
               <a:rPr lang="en-US" altLang="zh-CN" smtClean="0"/>
-              <a:t>3/10/2017</a:t>
+              <a:t>3/11/2017</a:t>
             </a:fld>
             <a:endParaRPr lang="en-US"/>
           </a:p>
@@ -6348,7 +7315,7 @@
           <a:p>
             <a:fld id="{A2849203-1994-441A-95FB-D81D8D59EE40}" type="datetime1">
               <a:rPr lang="en-US" altLang="zh-CN" smtClean="0"/>
-              <a:t>3/10/2017</a:t>
+              <a:t>3/11/2017</a:t>
             </a:fld>
             <a:endParaRPr lang="en-US"/>
           </a:p>
@@ -6625,7 +7592,7 @@
           <a:p>
             <a:fld id="{ED115097-5899-401D-901E-AC5B1342EB34}" type="datetime1">
               <a:rPr lang="en-US" altLang="zh-CN" smtClean="0"/>
-              <a:t>3/10/2017</a:t>
+              <a:t>3/11/2017</a:t>
             </a:fld>
             <a:endParaRPr lang="en-US"/>
           </a:p>
@@ -6878,7 +7845,7 @@
           <a:p>
             <a:fld id="{175037D6-DDF3-427F-B456-3EE346776323}" type="datetime1">
               <a:rPr lang="en-US" altLang="zh-CN" smtClean="0"/>
-              <a:t>3/10/2017</a:t>
+              <a:t>3/11/2017</a:t>
             </a:fld>
             <a:endParaRPr lang="en-US"/>
           </a:p>
@@ -7091,7 +8058,7 @@
           <a:p>
             <a:fld id="{D06082B2-3BF9-4734-A81A-EFB9FC44C707}" type="datetime1">
               <a:rPr lang="en-US" altLang="zh-CN" smtClean="0"/>
-              <a:t>3/10/2017</a:t>
+              <a:t>3/11/2017</a:t>
             </a:fld>
             <a:endParaRPr lang="en-US"/>
           </a:p>
@@ -9740,7 +10707,6 @@
                 <a:rPr kumimoji="1" lang="ja-JP" altLang="en-US" b="1" dirty="0"/>
                 <a:t>キュー</a:t>
               </a:r>
-              <a:endParaRPr kumimoji="1" lang="ja-JP" altLang="en-US" b="1" dirty="0"/>
             </a:p>
           </p:txBody>
         </p:sp>
@@ -15441,28 +16407,28 @@
                 <a:gridCol w="2080180">
                   <a:extLst>
                     <a:ext uri="{9D8B030D-6E8A-4147-A177-3AD203B41FA5}">
-                      <a16:colId xmlns="" xmlns:a16="http://schemas.microsoft.com/office/drawing/2014/main" val="20000"/>
+                      <a16:colId xmlns:a16="http://schemas.microsoft.com/office/drawing/2014/main" xmlns="" val="20000"/>
                     </a:ext>
                   </a:extLst>
                 </a:gridCol>
                 <a:gridCol w="1591663">
                   <a:extLst>
                     <a:ext uri="{9D8B030D-6E8A-4147-A177-3AD203B41FA5}">
-                      <a16:colId xmlns="" xmlns:a16="http://schemas.microsoft.com/office/drawing/2014/main" val="20001"/>
+                      <a16:colId xmlns:a16="http://schemas.microsoft.com/office/drawing/2014/main" xmlns="" val="20001"/>
                     </a:ext>
                   </a:extLst>
                 </a:gridCol>
                 <a:gridCol w="1856559">
                   <a:extLst>
                     <a:ext uri="{9D8B030D-6E8A-4147-A177-3AD203B41FA5}">
-                      <a16:colId xmlns="" xmlns:a16="http://schemas.microsoft.com/office/drawing/2014/main" val="20002"/>
+                      <a16:colId xmlns:a16="http://schemas.microsoft.com/office/drawing/2014/main" xmlns="" val="20002"/>
                     </a:ext>
                   </a:extLst>
                 </a:gridCol>
                 <a:gridCol w="2376281">
                   <a:extLst>
                     <a:ext uri="{9D8B030D-6E8A-4147-A177-3AD203B41FA5}">
-                      <a16:colId xmlns="" xmlns:a16="http://schemas.microsoft.com/office/drawing/2014/main" val="20003"/>
+                      <a16:colId xmlns:a16="http://schemas.microsoft.com/office/drawing/2014/main" xmlns="" val="20003"/>
                     </a:ext>
                   </a:extLst>
                 </a:gridCol>
@@ -15628,7 +16594,7 @@
                 </a:tc>
                 <a:extLst>
                   <a:ext uri="{0D108BD9-81ED-4DB2-BD59-A6C34878D82A}">
-                    <a16:rowId xmlns="" xmlns:a16="http://schemas.microsoft.com/office/drawing/2014/main" val="10000"/>
+                    <a16:rowId xmlns:a16="http://schemas.microsoft.com/office/drawing/2014/main" xmlns="" val="10000"/>
                   </a:ext>
                 </a:extLst>
               </a:tr>
@@ -15758,7 +16724,7 @@
                 </a:tc>
                 <a:extLst>
                   <a:ext uri="{0D108BD9-81ED-4DB2-BD59-A6C34878D82A}">
-                    <a16:rowId xmlns="" xmlns:a16="http://schemas.microsoft.com/office/drawing/2014/main" val="10001"/>
+                    <a16:rowId xmlns:a16="http://schemas.microsoft.com/office/drawing/2014/main" xmlns="" val="10001"/>
                   </a:ext>
                 </a:extLst>
               </a:tr>
@@ -15888,7 +16854,7 @@
                 </a:tc>
                 <a:extLst>
                   <a:ext uri="{0D108BD9-81ED-4DB2-BD59-A6C34878D82A}">
-                    <a16:rowId xmlns="" xmlns:a16="http://schemas.microsoft.com/office/drawing/2014/main" val="10002"/>
+                    <a16:rowId xmlns:a16="http://schemas.microsoft.com/office/drawing/2014/main" xmlns="" val="10002"/>
                   </a:ext>
                 </a:extLst>
               </a:tr>
@@ -16021,7 +16987,7 @@
                 </a:tc>
                 <a:extLst>
                   <a:ext uri="{0D108BD9-81ED-4DB2-BD59-A6C34878D82A}">
-                    <a16:rowId xmlns="" xmlns:a16="http://schemas.microsoft.com/office/drawing/2014/main" val="10003"/>
+                    <a16:rowId xmlns:a16="http://schemas.microsoft.com/office/drawing/2014/main" xmlns="" val="10003"/>
                   </a:ext>
                 </a:extLst>
               </a:tr>
@@ -18198,6 +19164,97 @@
       </p:par>
     </p:tnLst>
   </p:timing>
+</p:sld>
+</file>
+
+<file path=ppt/slides/slide20.xml><?xml version="1.0" encoding="utf-8"?>
+<p:sld xmlns:a="http://schemas.openxmlformats.org/drawingml/2006/main" xmlns:r="http://schemas.openxmlformats.org/officeDocument/2006/relationships" xmlns:p="http://schemas.openxmlformats.org/presentationml/2006/main">
+  <p:cSld>
+    <p:spTree>
+      <p:nvGrpSpPr>
+        <p:cNvPr id="1" name=""/>
+        <p:cNvGrpSpPr/>
+        <p:nvPr/>
+      </p:nvGrpSpPr>
+      <p:grpSpPr>
+        <a:xfrm>
+          <a:off x="0" y="0"/>
+          <a:ext cx="0" cy="0"/>
+          <a:chOff x="0" y="0"/>
+          <a:chExt cx="0" cy="0"/>
+        </a:xfrm>
+      </p:grpSpPr>
+      <p:sp>
+        <p:nvSpPr>
+          <p:cNvPr id="2" name="タイトル 1"/>
+          <p:cNvSpPr>
+            <a:spLocks noGrp="1"/>
+          </p:cNvSpPr>
+          <p:nvPr>
+            <p:ph type="title"/>
+          </p:nvPr>
+        </p:nvSpPr>
+        <p:spPr/>
+        <p:txBody>
+          <a:bodyPr/>
+          <a:lstStyle/>
+          <a:p>
+            <a:endParaRPr lang="zh-CN" altLang="en-US"/>
+          </a:p>
+        </p:txBody>
+      </p:sp>
+      <p:sp>
+        <p:nvSpPr>
+          <p:cNvPr id="3" name="コンテンツ プレースホルダー 2"/>
+          <p:cNvSpPr>
+            <a:spLocks noGrp="1"/>
+          </p:cNvSpPr>
+          <p:nvPr>
+            <p:ph idx="1"/>
+          </p:nvPr>
+        </p:nvSpPr>
+        <p:spPr/>
+        <p:txBody>
+          <a:bodyPr/>
+          <a:lstStyle/>
+          <a:p>
+            <a:endParaRPr lang="zh-CN" altLang="en-US"/>
+          </a:p>
+        </p:txBody>
+      </p:sp>
+      <p:sp>
+        <p:nvSpPr>
+          <p:cNvPr id="4" name="スライド番号プレースホルダー 3"/>
+          <p:cNvSpPr>
+            <a:spLocks noGrp="1"/>
+          </p:cNvSpPr>
+          <p:nvPr>
+            <p:ph type="sldNum" sz="quarter" idx="12"/>
+          </p:nvPr>
+        </p:nvSpPr>
+        <p:spPr/>
+        <p:txBody>
+          <a:bodyPr/>
+          <a:lstStyle/>
+          <a:p>
+            <a:fld id="{F666435A-C67E-4182-841F-98B28F8E4D33}" type="slidenum">
+              <a:rPr lang="en-US" smtClean="0"/>
+              <a:t>20</a:t>
+            </a:fld>
+            <a:endParaRPr lang="en-US"/>
+          </a:p>
+        </p:txBody>
+      </p:sp>
+    </p:spTree>
+    <p:extLst>
+      <p:ext uri="{BB962C8B-B14F-4D97-AF65-F5344CB8AC3E}">
+        <p14:creationId xmlns:p14="http://schemas.microsoft.com/office/powerpoint/2010/main" val="1393956658"/>
+      </p:ext>
+    </p:extLst>
+  </p:cSld>
+  <p:clrMapOvr>
+    <a:masterClrMapping/>
+  </p:clrMapOvr>
 </p:sld>
 </file>
 
@@ -23140,7 +24197,6 @@
                 <a:rPr kumimoji="1" lang="ja-JP" altLang="en-US" b="1" dirty="0"/>
                 <a:t>キュー</a:t>
               </a:r>
-              <a:endParaRPr kumimoji="1" lang="ja-JP" altLang="en-US" b="1" dirty="0"/>
             </a:p>
           </p:txBody>
         </p:sp>
